--- a/UC_Course_Sesion2/UCDatabrick - Sesion 2.pptx
+++ b/UC_Course_Sesion2/UCDatabrick - Sesion 2.pptx
@@ -11419,8 +11419,71 @@
               <a:rPr lang="es-ES" sz="1400" dirty="0">
                 <a:latin typeface="Montserrat" panose="00000500000000000000" pitchFamily="2" charset="0"/>
               </a:rPr>
-              <a:t>Control de Accesos</a:t>
-            </a:r>
+              <a:t>Unity </a:t>
+            </a:r>
+            <a:r>
+              <a:rPr lang="es-ES" sz="1400" dirty="0" err="1">
+                <a:latin typeface="Montserrat" panose="00000500000000000000" pitchFamily="2" charset="0"/>
+              </a:rPr>
+              <a:t>Catalog</a:t>
+            </a:r>
+            <a:r>
+              <a:rPr lang="es-ES" sz="1400" dirty="0">
+                <a:latin typeface="Montserrat" panose="00000500000000000000" pitchFamily="2" charset="0"/>
+              </a:rPr>
+              <a:t>: Control de Acceso y Seguridad</a:t>
+            </a:r>
+          </a:p>
+          <a:p>
+            <a:pPr marL="1714500" lvl="3" indent="-342900">
+              <a:buFont typeface="+mj-lt"/>
+              <a:buAutoNum type="arabicPeriod"/>
+            </a:pPr>
+            <a:r>
+              <a:rPr lang="es-ES" sz="1200" dirty="0">
+                <a:latin typeface="Montserrat" panose="00000500000000000000" pitchFamily="2" charset="0"/>
+              </a:rPr>
+              <a:t>Tipo de Permiso</a:t>
+            </a:r>
+          </a:p>
+          <a:p>
+            <a:pPr marL="1714500" lvl="3" indent="-342900">
+              <a:buFont typeface="+mj-lt"/>
+              <a:buAutoNum type="arabicPeriod"/>
+            </a:pPr>
+            <a:r>
+              <a:rPr lang="es-ES" sz="1200" dirty="0">
+                <a:latin typeface="Montserrat" panose="00000500000000000000" pitchFamily="2" charset="0"/>
+              </a:rPr>
+              <a:t>Seguridad fila y columna</a:t>
+            </a:r>
+          </a:p>
+          <a:p>
+            <a:pPr marL="1714500" lvl="3" indent="-342900">
+              <a:buFont typeface="+mj-lt"/>
+              <a:buAutoNum type="arabicPeriod"/>
+            </a:pPr>
+            <a:r>
+              <a:rPr lang="es-ES" sz="1200" dirty="0" err="1">
+                <a:latin typeface="Montserrat" panose="00000500000000000000" pitchFamily="2" charset="0"/>
+              </a:rPr>
+              <a:t>Enmascaracion</a:t>
+            </a:r>
+            <a:r>
+              <a:rPr lang="es-ES" sz="1200" dirty="0">
+                <a:latin typeface="Montserrat" panose="00000500000000000000" pitchFamily="2" charset="0"/>
+              </a:rPr>
+              <a:t> </a:t>
+            </a:r>
+            <a:r>
+              <a:rPr lang="es-ES" sz="1200" dirty="0" err="1">
+                <a:latin typeface="Montserrat" panose="00000500000000000000" pitchFamily="2" charset="0"/>
+              </a:rPr>
+              <a:t>Ocultacion</a:t>
+            </a:r>
+            <a:endParaRPr lang="es-ES" sz="1200" dirty="0">
+              <a:latin typeface="Montserrat" panose="00000500000000000000" pitchFamily="2" charset="0"/>
+            </a:endParaRPr>
           </a:p>
           <a:p>
             <a:pPr marL="1257300" lvl="2" indent="-342900">
@@ -11431,41 +11494,100 @@
               <a:rPr lang="es-ES" sz="1400" dirty="0">
                 <a:latin typeface="Montserrat" panose="00000500000000000000" pitchFamily="2" charset="0"/>
               </a:rPr>
-              <a:t>Tipo de Permiso</a:t>
-            </a:r>
-          </a:p>
-          <a:p>
-            <a:pPr marL="1257300" lvl="2" indent="-342900">
+              <a:t>Unity </a:t>
+            </a:r>
+            <a:r>
+              <a:rPr lang="es-ES" sz="1400" dirty="0" err="1">
+                <a:latin typeface="Montserrat" panose="00000500000000000000" pitchFamily="2" charset="0"/>
+              </a:rPr>
+              <a:t>Catalog</a:t>
+            </a:r>
+            <a:r>
+              <a:rPr lang="es-ES" sz="1400" dirty="0">
+                <a:latin typeface="Montserrat" panose="00000500000000000000" pitchFamily="2" charset="0"/>
+              </a:rPr>
+              <a:t>: Data Discovery </a:t>
+            </a:r>
+            <a:r>
+              <a:rPr lang="es-ES" sz="1400" dirty="0" err="1">
+                <a:latin typeface="Montserrat" panose="00000500000000000000" pitchFamily="2" charset="0"/>
+              </a:rPr>
+              <a:t>yLinaje</a:t>
+            </a:r>
+            <a:endParaRPr lang="es-ES" sz="1400" dirty="0">
+              <a:latin typeface="Montserrat" panose="00000500000000000000" pitchFamily="2" charset="0"/>
+            </a:endParaRPr>
+          </a:p>
+          <a:p>
+            <a:pPr marL="1714500" lvl="3" indent="-342900">
               <a:buFont typeface="+mj-lt"/>
               <a:buAutoNum type="arabicPeriod"/>
             </a:pPr>
             <a:r>
-              <a:rPr lang="es-ES" sz="1400" dirty="0">
-                <a:latin typeface="Montserrat" panose="00000500000000000000" pitchFamily="2" charset="0"/>
-              </a:rPr>
-              <a:t>Funciones de ocultación y enmascaramiento</a:t>
-            </a:r>
-          </a:p>
-          <a:p>
-            <a:pPr marL="1257300" lvl="2" indent="-342900">
+              <a:rPr lang="es-ES" sz="1200" dirty="0" err="1">
+                <a:latin typeface="Montserrat" panose="00000500000000000000" pitchFamily="2" charset="0"/>
+              </a:rPr>
+              <a:t>Documentacion</a:t>
+            </a:r>
+            <a:r>
+              <a:rPr lang="es-ES" sz="1200" dirty="0">
+                <a:latin typeface="Montserrat" panose="00000500000000000000" pitchFamily="2" charset="0"/>
+              </a:rPr>
+              <a:t> generada por IA</a:t>
+            </a:r>
+          </a:p>
+          <a:p>
+            <a:pPr marL="1714500" lvl="3" indent="-342900">
               <a:buFont typeface="+mj-lt"/>
               <a:buAutoNum type="arabicPeriod"/>
             </a:pPr>
             <a:r>
-              <a:rPr lang="es-ES" sz="1400" dirty="0" err="1">
-                <a:latin typeface="Montserrat" panose="00000500000000000000" pitchFamily="2" charset="0"/>
-              </a:rPr>
-              <a:t>Roleplay</a:t>
-            </a:r>
-            <a:endParaRPr lang="es-ES" sz="1400" dirty="0">
-              <a:latin typeface="Montserrat" panose="00000500000000000000" pitchFamily="2" charset="0"/>
-            </a:endParaRPr>
-          </a:p>
-          <a:p>
-            <a:pPr marL="1257300" lvl="2" indent="-342900">
+              <a:rPr lang="es-ES" sz="1200" dirty="0" err="1">
+                <a:latin typeface="Montserrat" panose="00000500000000000000" pitchFamily="2" charset="0"/>
+              </a:rPr>
+              <a:t>Tagging</a:t>
+            </a:r>
+            <a:r>
+              <a:rPr lang="es-ES" sz="1200" dirty="0">
+                <a:latin typeface="Montserrat" panose="00000500000000000000" pitchFamily="2" charset="0"/>
+              </a:rPr>
+              <a:t> (etiquetado de datos)</a:t>
+            </a:r>
+          </a:p>
+          <a:p>
+            <a:pPr marL="1714500" lvl="3" indent="-342900">
               <a:buFont typeface="+mj-lt"/>
               <a:buAutoNum type="arabicPeriod"/>
             </a:pPr>
+            <a:r>
+              <a:rPr lang="es-ES" sz="1200" dirty="0" err="1">
+                <a:latin typeface="Montserrat" panose="00000500000000000000" pitchFamily="2" charset="0"/>
+              </a:rPr>
+              <a:t>Informacion</a:t>
+            </a:r>
+            <a:r>
+              <a:rPr lang="es-ES" sz="1200" dirty="0">
+                <a:latin typeface="Montserrat" panose="00000500000000000000" pitchFamily="2" charset="0"/>
+              </a:rPr>
+              <a:t> disponible en Tablas</a:t>
+            </a:r>
+          </a:p>
+          <a:p>
+            <a:pPr marL="1714500" lvl="3" indent="-342900">
+              <a:buFont typeface="+mj-lt"/>
+              <a:buAutoNum type="arabicPeriod"/>
+            </a:pPr>
+            <a:r>
+              <a:rPr lang="es-ES" sz="1200" dirty="0">
+                <a:latin typeface="Montserrat" panose="00000500000000000000" pitchFamily="2" charset="0"/>
+              </a:rPr>
+              <a:t>Linaje</a:t>
+            </a:r>
+            <a:br>
+              <a:rPr lang="es-ES" sz="1200" dirty="0">
+                <a:latin typeface="Montserrat" panose="00000500000000000000" pitchFamily="2" charset="0"/>
+              </a:rPr>
+            </a:br>
             <a:endParaRPr lang="es-ES" sz="1400" dirty="0">
               <a:latin typeface="Montserrat" panose="00000500000000000000" pitchFamily="2" charset="0"/>
             </a:endParaRPr>
@@ -18615,6 +18737,15 @@
 </file>
 
 <file path=customXml/item1.xml><?xml version="1.0" encoding="utf-8"?>
+<?mso-contentType ?>
+<FormTemplates xmlns="http://schemas.microsoft.com/sharepoint/v3/contenttype/forms">
+  <Display>DocumentLibraryForm</Display>
+  <Edit>DocumentLibraryForm</Edit>
+  <New>DocumentLibraryForm</New>
+</FormTemplates>
+</file>
+
+<file path=customXml/item2.xml><?xml version="1.0" encoding="utf-8"?>
 <ct:contentTypeSchema xmlns:ct="http://schemas.microsoft.com/office/2006/metadata/contentType" xmlns:ma="http://schemas.microsoft.com/office/2006/metadata/properties/metaAttributes" ct:_="" ma:_="" ma:contentTypeName="Documento" ma:contentTypeID="0x010100D61D317CF2309C4E8DA448EE42D88B65" ma:contentTypeVersion="14" ma:contentTypeDescription="Crear nuevo documento." ma:contentTypeScope="" ma:versionID="499295a40b32042ffc1aa18e52107fb2">
   <xsd:schema xmlns:xsd="http://www.w3.org/2001/XMLSchema" xmlns:xs="http://www.w3.org/2001/XMLSchema" xmlns:p="http://schemas.microsoft.com/office/2006/metadata/properties" xmlns:ns2="e24c3f89-b1e2-4b5c-81e1-9b07710f5189" xmlns:ns3="ce845bb0-6f82-4cf9-8b02-3916bb6268df" targetNamespace="http://schemas.microsoft.com/office/2006/metadata/properties" ma:root="true" ma:fieldsID="cacbbaa88dffef174e809ab62d2fa790" ns2:_="" ns3:_="">
     <xsd:import namespace="e24c3f89-b1e2-4b5c-81e1-9b07710f5189"/>
@@ -18843,15 +18974,6 @@
 </ct:contentTypeSchema>
 </file>
 
-<file path=customXml/item2.xml><?xml version="1.0" encoding="utf-8"?>
-<?mso-contentType ?>
-<FormTemplates xmlns="http://schemas.microsoft.com/sharepoint/v3/contenttype/forms">
-  <Display>DocumentLibraryForm</Display>
-  <Edit>DocumentLibraryForm</Edit>
-  <New>DocumentLibraryForm</New>
-</FormTemplates>
-</file>
-
 <file path=customXml/item3.xml><?xml version="1.0" encoding="utf-8"?>
 <p:properties xmlns:p="http://schemas.microsoft.com/office/2006/metadata/properties" xmlns:xsi="http://www.w3.org/2001/XMLSchema-instance" xmlns:pc="http://schemas.microsoft.com/office/infopath/2007/PartnerControls">
   <documentManagement>
@@ -18864,6 +18986,14 @@
 </file>
 
 <file path=customXml/itemProps1.xml><?xml version="1.0" encoding="utf-8"?>
+<ds:datastoreItem xmlns:ds="http://schemas.openxmlformats.org/officeDocument/2006/customXml" ds:itemID="{6FDDB250-E753-47E4-8ED1-CAC7AD183E6C}">
+  <ds:schemaRefs>
+    <ds:schemaRef ds:uri="http://schemas.microsoft.com/sharepoint/v3/contenttype/forms"/>
+  </ds:schemaRefs>
+</ds:datastoreItem>
+</file>
+
+<file path=customXml/itemProps2.xml><?xml version="1.0" encoding="utf-8"?>
 <ds:datastoreItem xmlns:ds="http://schemas.openxmlformats.org/officeDocument/2006/customXml" ds:itemID="{D57BF0C9-4CDD-43A3-8A95-A49D62C2F2E1}">
   <ds:schemaRefs>
     <ds:schemaRef ds:uri="http://schemas.microsoft.com/office/2006/metadata/contentType"/>
@@ -18882,14 +19012,6 @@
 </ds:datastoreItem>
 </file>
 
-<file path=customXml/itemProps2.xml><?xml version="1.0" encoding="utf-8"?>
-<ds:datastoreItem xmlns:ds="http://schemas.openxmlformats.org/officeDocument/2006/customXml" ds:itemID="{6FDDB250-E753-47E4-8ED1-CAC7AD183E6C}">
-  <ds:schemaRefs>
-    <ds:schemaRef ds:uri="http://schemas.microsoft.com/sharepoint/v3/contenttype/forms"/>
-  </ds:schemaRefs>
-</ds:datastoreItem>
-</file>
-
 <file path=customXml/itemProps3.xml><?xml version="1.0" encoding="utf-8"?>
 <ds:datastoreItem xmlns:ds="http://schemas.openxmlformats.org/officeDocument/2006/customXml" ds:itemID="{4A79858A-5E67-489D-9BB4-CD604D981F2A}">
   <ds:schemaRefs>
